--- a/教学课件/1.第一课  认识编程.pptx
+++ b/教学课件/1.第一课  认识编程.pptx
@@ -5726,38 +5726,6 @@
               </a:rPr>
               <a:t>）</a:t>
             </a:r>
-            <a:r>
-              <a:rPr sz="2000">
-                <a:latin typeface="宋体" panose="02010600030101010101" pitchFamily="2" charset="-122"/>
-                <a:ea typeface="宋体" panose="02010600030101010101" pitchFamily="2" charset="-122"/>
-                <a:cs typeface="宋体" panose="02010600030101010101" pitchFamily="2" charset="-122"/>
-              </a:rPr>
-              <a:t>，28-29 有效位数</a:t>
-            </a:r>
-            <a:r>
-              <a:rPr lang="zh-CN" altLang="en-US" sz="2000">
-                <a:latin typeface="宋体" panose="02010600030101010101" pitchFamily="2" charset="-122"/>
-                <a:ea typeface="宋体" panose="02010600030101010101" pitchFamily="2" charset="-122"/>
-                <a:cs typeface="宋体" panose="02010600030101010101" pitchFamily="2" charset="-122"/>
-              </a:rPr>
-              <a:t> </a:t>
-            </a:r>
-            <a:endParaRPr lang="zh-CN" altLang="en-US" sz="2000">
-              <a:latin typeface="宋体" panose="02010600030101010101" pitchFamily="2" charset="-122"/>
-              <a:ea typeface="宋体" panose="02010600030101010101" pitchFamily="2" charset="-122"/>
-              <a:cs typeface="宋体" panose="02010600030101010101" pitchFamily="2" charset="-122"/>
-            </a:endParaRPr>
-          </a:p>
-          <a:p>
-            <a:pPr marL="0" indent="0" fontAlgn="auto">
-              <a:lnSpc>
-                <a:spcPct val="150000"/>
-              </a:lnSpc>
-              <a:spcBef>
-                <a:spcPts val="0"/>
-              </a:spcBef>
-              <a:buNone/>
-            </a:pPr>
             <a:endParaRPr lang="en-US" altLang="zh-CN" sz="2000">
               <a:latin typeface="宋体" panose="02010600030101010101" pitchFamily="2" charset="-122"/>
               <a:ea typeface="宋体" panose="02010600030101010101" pitchFamily="2" charset="-122"/>
@@ -6362,7 +6330,23 @@
                 <a:ea typeface="宋体" panose="02010600030101010101" pitchFamily="2" charset="-122"/>
                 <a:cs typeface="宋体" panose="02010600030101010101" pitchFamily="2" charset="-122"/>
               </a:rPr>
-              <a:t>myChar; // ‘a’ </a:t>
+              <a:t>myChar; // </a:t>
+            </a:r>
+            <a:r>
+              <a:rPr lang="en-US" altLang="zh-CN" sz="2400" b="1">
+                <a:latin typeface="宋体" panose="02010600030101010101" pitchFamily="2" charset="-122"/>
+                <a:ea typeface="宋体" panose="02010600030101010101" pitchFamily="2" charset="-122"/>
+                <a:cs typeface="宋体" panose="02010600030101010101" pitchFamily="2" charset="-122"/>
+              </a:rPr>
+              <a:t>‘a’</a:t>
+            </a:r>
+            <a:r>
+              <a:rPr lang="en-US" altLang="zh-CN" sz="2400">
+                <a:latin typeface="宋体" panose="02010600030101010101" pitchFamily="2" charset="-122"/>
+                <a:ea typeface="宋体" panose="02010600030101010101" pitchFamily="2" charset="-122"/>
+                <a:cs typeface="宋体" panose="02010600030101010101" pitchFamily="2" charset="-122"/>
+              </a:rPr>
+              <a:t> </a:t>
             </a:r>
             <a:endParaRPr lang="en-US" altLang="zh-CN" sz="2400">
               <a:latin typeface="宋体" panose="02010600030101010101" pitchFamily="2" charset="-122"/>
@@ -6391,10 +6375,18 @@
                 <a:ea typeface="宋体" panose="02010600030101010101" pitchFamily="2" charset="-122"/>
                 <a:cs typeface="宋体" panose="02010600030101010101" pitchFamily="2" charset="-122"/>
               </a:rPr>
-              <a:t>myName;// “</a:t>
-            </a:r>
-            <a:r>
-              <a:rPr lang="zh-CN" altLang="en-US" sz="2400">
+              <a:t>myName;// </a:t>
+            </a:r>
+            <a:r>
+              <a:rPr lang="en-US" altLang="zh-CN" sz="2400" b="1">
+                <a:latin typeface="宋体" panose="02010600030101010101" pitchFamily="2" charset="-122"/>
+                <a:ea typeface="宋体" panose="02010600030101010101" pitchFamily="2" charset="-122"/>
+                <a:cs typeface="宋体" panose="02010600030101010101" pitchFamily="2" charset="-122"/>
+              </a:rPr>
+              <a:t>“</a:t>
+            </a:r>
+            <a:r>
+              <a:rPr lang="zh-CN" altLang="en-US" sz="2400" b="1">
                 <a:latin typeface="宋体" panose="02010600030101010101" pitchFamily="2" charset="-122"/>
                 <a:ea typeface="宋体" panose="02010600030101010101" pitchFamily="2" charset="-122"/>
                 <a:cs typeface="宋体" panose="02010600030101010101" pitchFamily="2" charset="-122"/>
@@ -6402,14 +6394,14 @@
               <a:t>我是方野</a:t>
             </a:r>
             <a:r>
-              <a:rPr lang="en-US" altLang="zh-CN" sz="2400">
+              <a:rPr lang="en-US" altLang="zh-CN" sz="2400" b="1">
                 <a:latin typeface="宋体" panose="02010600030101010101" pitchFamily="2" charset="-122"/>
                 <a:ea typeface="宋体" panose="02010600030101010101" pitchFamily="2" charset="-122"/>
                 <a:cs typeface="宋体" panose="02010600030101010101" pitchFamily="2" charset="-122"/>
               </a:rPr>
               <a:t>”</a:t>
             </a:r>
-            <a:endParaRPr lang="en-US" altLang="zh-CN" sz="2400">
+            <a:endParaRPr lang="en-US" altLang="zh-CN" sz="2400" b="1">
               <a:latin typeface="宋体" panose="02010600030101010101" pitchFamily="2" charset="-122"/>
               <a:ea typeface="宋体" panose="02010600030101010101" pitchFamily="2" charset="-122"/>
               <a:cs typeface="宋体" panose="02010600030101010101" pitchFamily="2" charset="-122"/>

--- a/教学课件/1.第一课  认识编程.pptx
+++ b/教学课件/1.第一课  认识编程.pptx
@@ -4718,7 +4718,7 @@
                 <a:latin typeface="Consolas" panose="020B0609020204030204" charset="0"/>
                 <a:cs typeface="Consolas" panose="020B0609020204030204" charset="0"/>
               </a:rPr>
-              <a:t>yte </a:t>
+              <a:t>yte  </a:t>
             </a:r>
             <a:r>
               <a:rPr lang="zh-CN" altLang="en-US" sz="1780">

--- a/教学课件/1.第一课  认识编程.pptx
+++ b/教学课件/1.第一课  认识编程.pptx
@@ -11226,7 +11226,11 @@
             </a:r>
             <a:r>
               <a:rPr lang="zh-CN" altLang="en-US" sz="1600" dirty="0" smtClean="0"/>
-              <a:t>：一对括号表示一个作用域</a:t>
+              <a:t>：一对花</a:t>
+            </a:r>
+            <a:r>
+              <a:rPr lang="zh-CN" altLang="en-US" sz="1600" dirty="0" smtClean="0"/>
+              <a:t>括号表示一个作用域</a:t>
             </a:r>
             <a:endParaRPr lang="zh-CN" altLang="en-US" sz="1600" dirty="0" smtClean="0"/>
           </a:p>
